--- a/artifacts/arch/Gen AI Orchestrator for Email and Document Triage.pptx
+++ b/artifacts/arch/Gen AI Orchestrator for Email and Document Triage.pptx
@@ -12,7 +12,10 @@
     <p:sldId id="261" r:id="rId6"/>
     <p:sldId id="262" r:id="rId7"/>
     <p:sldId id="263" r:id="rId8"/>
-    <p:sldId id="264" r:id="rId9"/>
+    <p:sldId id="265" r:id="rId9"/>
+    <p:sldId id="267" r:id="rId10"/>
+    <p:sldId id="266" r:id="rId11"/>
+    <p:sldId id="264" r:id="rId12"/>
   </p:sldIdLst>
   <p:sldSz cx="12192000" cy="6858000"/>
   <p:notesSz cx="6858000" cy="9144000"/>
@@ -7716,6 +7719,204 @@
 </p:sld>
 </file>
 
+<file path=ppt/slides/slide10.xml><?xml version="1.0" encoding="utf-8"?>
+<p:sld xmlns:a="http://schemas.openxmlformats.org/drawingml/2006/main" xmlns:r="http://schemas.openxmlformats.org/officeDocument/2006/relationships" xmlns:p="http://schemas.openxmlformats.org/presentationml/2006/main">
+  <p:cSld>
+    <p:spTree>
+      <p:nvGrpSpPr>
+        <p:cNvPr id="1" name=""/>
+        <p:cNvGrpSpPr/>
+        <p:nvPr/>
+      </p:nvGrpSpPr>
+      <p:grpSpPr>
+        <a:xfrm>
+          <a:off x="0" y="0"/>
+          <a:ext cx="0" cy="0"/>
+          <a:chOff x="0" y="0"/>
+          <a:chExt cx="0" cy="0"/>
+        </a:xfrm>
+      </p:grpSpPr>
+      <p:pic>
+        <p:nvPicPr>
+          <p:cNvPr id="4" name="Content Placeholder 3"/>
+          <p:cNvPicPr>
+            <a:picLocks noGrp="1" noChangeAspect="1"/>
+          </p:cNvPicPr>
+          <p:nvPr>
+            <p:ph idx="1"/>
+          </p:nvPr>
+        </p:nvPicPr>
+        <p:blipFill>
+          <a:blip r:embed="rId2"/>
+          <a:stretch>
+            <a:fillRect/>
+          </a:stretch>
+        </p:blipFill>
+        <p:spPr>
+          <a:xfrm>
+            <a:off x="785966" y="233264"/>
+            <a:ext cx="10728009" cy="6402605"/>
+          </a:xfrm>
+          <a:prstGeom prst="rect">
+            <a:avLst/>
+          </a:prstGeom>
+        </p:spPr>
+      </p:pic>
+    </p:spTree>
+    <p:extLst>
+      <p:ext uri="{BB962C8B-B14F-4D97-AF65-F5344CB8AC3E}">
+        <p14:creationId xmlns:p14="http://schemas.microsoft.com/office/powerpoint/2010/main" val="1835683325"/>
+      </p:ext>
+    </p:extLst>
+  </p:cSld>
+  <p:clrMapOvr>
+    <a:masterClrMapping/>
+  </p:clrMapOvr>
+</p:sld>
+</file>
+
+<file path=ppt/slides/slide11.xml><?xml version="1.0" encoding="utf-8"?>
+<p:sld xmlns:a="http://schemas.openxmlformats.org/drawingml/2006/main" xmlns:r="http://schemas.openxmlformats.org/officeDocument/2006/relationships" xmlns:p="http://schemas.openxmlformats.org/presentationml/2006/main">
+  <p:cSld>
+    <p:spTree>
+      <p:nvGrpSpPr>
+        <p:cNvPr id="1" name=""/>
+        <p:cNvGrpSpPr/>
+        <p:nvPr/>
+      </p:nvGrpSpPr>
+      <p:grpSpPr>
+        <a:xfrm>
+          <a:off x="0" y="0"/>
+          <a:ext cx="0" cy="0"/>
+          <a:chOff x="0" y="0"/>
+          <a:chExt cx="0" cy="0"/>
+        </a:xfrm>
+      </p:grpSpPr>
+      <p:sp>
+        <p:nvSpPr>
+          <p:cNvPr id="2" name="Title 1"/>
+          <p:cNvSpPr>
+            <a:spLocks noGrp="1"/>
+          </p:cNvSpPr>
+          <p:nvPr>
+            <p:ph type="title"/>
+          </p:nvPr>
+        </p:nvSpPr>
+        <p:spPr>
+          <a:xfrm>
+            <a:off x="2592925" y="624110"/>
+            <a:ext cx="8911687" cy="878119"/>
+          </a:xfrm>
+        </p:spPr>
+        <p:txBody>
+          <a:bodyPr/>
+          <a:lstStyle/>
+          <a:p>
+            <a:r>
+              <a:rPr lang="en-US" dirty="0" smtClean="0"/>
+              <a:t>                Thank you</a:t>
+            </a:r>
+            <a:endParaRPr lang="en-US" dirty="0"/>
+          </a:p>
+        </p:txBody>
+      </p:sp>
+      <p:sp>
+        <p:nvSpPr>
+          <p:cNvPr id="3" name="Content Placeholder 2"/>
+          <p:cNvSpPr>
+            <a:spLocks noGrp="1"/>
+          </p:cNvSpPr>
+          <p:nvPr>
+            <p:ph idx="1"/>
+          </p:nvPr>
+        </p:nvSpPr>
+        <p:spPr/>
+        <p:txBody>
+          <a:bodyPr/>
+          <a:lstStyle/>
+          <a:p>
+            <a:r>
+              <a:rPr lang="en-US" dirty="0"/>
+              <a:t> Contact: </a:t>
+            </a:r>
+            <a:r>
+              <a:rPr lang="en-US" dirty="0" smtClean="0"/>
+              <a:t> 		</a:t>
+            </a:r>
+          </a:p>
+          <a:p>
+            <a:pPr lvl="3"/>
+            <a:r>
+              <a:rPr lang="en-US" sz="1800" dirty="0" smtClean="0">
+                <a:hlinkClick r:id="rId2"/>
+              </a:rPr>
+              <a:t>Vajreshwar.Ananthouju@wellsfargo.com</a:t>
+            </a:r>
+            <a:endParaRPr lang="en-US" sz="1800" dirty="0" smtClean="0"/>
+          </a:p>
+          <a:p>
+            <a:pPr lvl="3"/>
+            <a:r>
+              <a:rPr lang="en-US" sz="1800" dirty="0" smtClean="0">
+                <a:hlinkClick r:id="rId3"/>
+              </a:rPr>
+              <a:t>saurabh.dhakate@wellsfargo.com</a:t>
+            </a:r>
+            <a:endParaRPr lang="en-US" sz="1800" dirty="0" smtClean="0"/>
+          </a:p>
+          <a:p>
+            <a:pPr lvl="3"/>
+            <a:r>
+              <a:rPr lang="en-US" sz="1800" dirty="0">
+                <a:hlinkClick r:id="rId4"/>
+              </a:rPr>
+              <a:t>Ankush.Virulkar@wellsfargo.com</a:t>
+            </a:r>
+            <a:endParaRPr lang="en-US" sz="1800" dirty="0"/>
+          </a:p>
+          <a:p>
+            <a:endParaRPr lang="en-US" dirty="0"/>
+          </a:p>
+          <a:p>
+            <a:r>
+              <a:rPr lang="en-US" dirty="0" smtClean="0"/>
+              <a:t>GitHub </a:t>
+            </a:r>
+            <a:r>
+              <a:rPr lang="en-US" dirty="0"/>
+              <a:t>Repo: </a:t>
+            </a:r>
+            <a:r>
+              <a:rPr lang="en-US" b="1" dirty="0"/>
+              <a:t>https://github.com/ewfx/gaied-sandesh/tree/main</a:t>
+            </a:r>
+            <a:endParaRPr lang="en-US" dirty="0" smtClean="0"/>
+          </a:p>
+          <a:p>
+            <a:pPr marL="0" indent="0">
+              <a:buNone/>
+            </a:pPr>
+            <a:r>
+              <a:rPr lang="en-US" b="1" dirty="0" smtClean="0"/>
+              <a:t>  				</a:t>
+            </a:r>
+            <a:endParaRPr lang="en-US" b="1" dirty="0"/>
+          </a:p>
+        </p:txBody>
+      </p:sp>
+    </p:spTree>
+    <p:extLst>
+      <p:ext uri="{BB962C8B-B14F-4D97-AF65-F5344CB8AC3E}">
+        <p14:creationId xmlns:p14="http://schemas.microsoft.com/office/powerpoint/2010/main" val="3555090327"/>
+      </p:ext>
+    </p:extLst>
+  </p:cSld>
+  <p:clrMapOvr>
+    <a:masterClrMapping/>
+  </p:clrMapOvr>
+</p:sld>
+</file>
+
 <file path=ppt/slides/slide2.xml><?xml version="1.0" encoding="utf-8"?>
 <p:sld xmlns:a="http://schemas.openxmlformats.org/drawingml/2006/main" xmlns:r="http://schemas.openxmlformats.org/officeDocument/2006/relationships" xmlns:p="http://schemas.openxmlformats.org/presentationml/2006/main">
   <p:cSld>
@@ -8766,7 +8967,7 @@
         <p:spPr>
           <a:xfrm>
             <a:off x="2592925" y="624110"/>
-            <a:ext cx="8911687" cy="878119"/>
+            <a:ext cx="8911687" cy="784812"/>
           </a:xfrm>
         </p:spPr>
         <p:txBody>
@@ -8775,100 +8976,98 @@
           <a:p>
             <a:r>
               <a:rPr lang="en-US" dirty="0" smtClean="0"/>
-              <a:t>                Thank you</a:t>
+              <a:t>API Endpoints</a:t>
             </a:r>
             <a:endParaRPr lang="en-US" dirty="0"/>
           </a:p>
         </p:txBody>
       </p:sp>
-      <p:sp>
-        <p:nvSpPr>
-          <p:cNvPr id="3" name="Content Placeholder 2"/>
-          <p:cNvSpPr>
-            <a:spLocks noGrp="1"/>
-          </p:cNvSpPr>
+      <p:pic>
+        <p:nvPicPr>
+          <p:cNvPr id="4" name="Content Placeholder 3"/>
+          <p:cNvPicPr>
+            <a:picLocks noGrp="1" noChangeAspect="1"/>
+          </p:cNvPicPr>
           <p:nvPr>
             <p:ph idx="1"/>
           </p:nvPr>
-        </p:nvSpPr>
-        <p:spPr/>
-        <p:txBody>
-          <a:bodyPr/>
-          <a:lstStyle/>
-          <a:p>
-            <a:r>
-              <a:rPr lang="en-US" dirty="0"/>
-              <a:t> Contact: </a:t>
-            </a:r>
-            <a:r>
-              <a:rPr lang="en-US" dirty="0" smtClean="0"/>
-              <a:t> 		</a:t>
-            </a:r>
-          </a:p>
-          <a:p>
-            <a:pPr lvl="3"/>
-            <a:r>
-              <a:rPr lang="en-US" sz="1800" dirty="0" smtClean="0">
-                <a:hlinkClick r:id="rId2"/>
-              </a:rPr>
-              <a:t>Vajreshwar.Ananthouju@wellsfargo.com</a:t>
-            </a:r>
-            <a:endParaRPr lang="en-US" sz="1800" dirty="0" smtClean="0"/>
-          </a:p>
-          <a:p>
-            <a:pPr lvl="3"/>
-            <a:r>
-              <a:rPr lang="en-US" sz="1800" dirty="0" smtClean="0">
-                <a:hlinkClick r:id="rId3"/>
-              </a:rPr>
-              <a:t>saurabh.dhakate@wellsfargo.com</a:t>
-            </a:r>
-            <a:endParaRPr lang="en-US" sz="1800" dirty="0" smtClean="0"/>
-          </a:p>
-          <a:p>
-            <a:pPr lvl="3"/>
-            <a:r>
-              <a:rPr lang="en-US" sz="1800" dirty="0">
-                <a:hlinkClick r:id="rId4"/>
-              </a:rPr>
-              <a:t>Ankush.Virulkar@wellsfargo.com</a:t>
-            </a:r>
-            <a:endParaRPr lang="en-US" sz="1800" dirty="0"/>
-          </a:p>
-          <a:p>
-            <a:endParaRPr lang="en-US" dirty="0"/>
-          </a:p>
-          <a:p>
-            <a:r>
-              <a:rPr lang="en-US" dirty="0" smtClean="0"/>
-              <a:t>GitHub </a:t>
-            </a:r>
-            <a:r>
-              <a:rPr lang="en-US" dirty="0"/>
-              <a:t>Repo: </a:t>
-            </a:r>
-            <a:r>
-              <a:rPr lang="en-US" b="1" dirty="0"/>
-              <a:t>https://github.com/ewfx/gaied-sandesh/tree/main</a:t>
-            </a:r>
-            <a:endParaRPr lang="en-US" dirty="0" smtClean="0"/>
-          </a:p>
-          <a:p>
-            <a:pPr marL="0" indent="0">
-              <a:buNone/>
-            </a:pPr>
-            <a:r>
-              <a:rPr lang="en-US" b="1" dirty="0" smtClean="0"/>
-              <a:t>  				</a:t>
-            </a:r>
-            <a:endParaRPr lang="en-US" b="1" dirty="0"/>
-          </a:p>
-        </p:txBody>
-      </p:sp>
+        </p:nvPicPr>
+        <p:blipFill>
+          <a:blip r:embed="rId2"/>
+          <a:stretch>
+            <a:fillRect/>
+          </a:stretch>
+        </p:blipFill>
+        <p:spPr>
+          <a:xfrm>
+            <a:off x="1964062" y="1614139"/>
+            <a:ext cx="8915400" cy="3716159"/>
+          </a:xfrm>
+          <a:prstGeom prst="rect">
+            <a:avLst/>
+          </a:prstGeom>
+        </p:spPr>
+      </p:pic>
     </p:spTree>
     <p:extLst>
       <p:ext uri="{BB962C8B-B14F-4D97-AF65-F5344CB8AC3E}">
-        <p14:creationId xmlns:p14="http://schemas.microsoft.com/office/powerpoint/2010/main" val="3555090327"/>
+        <p14:creationId xmlns:p14="http://schemas.microsoft.com/office/powerpoint/2010/main" val="3771010212"/>
+      </p:ext>
+    </p:extLst>
+  </p:cSld>
+  <p:clrMapOvr>
+    <a:masterClrMapping/>
+  </p:clrMapOvr>
+</p:sld>
+</file>
+
+<file path=ppt/slides/slide9.xml><?xml version="1.0" encoding="utf-8"?>
+<p:sld xmlns:a="http://schemas.openxmlformats.org/drawingml/2006/main" xmlns:r="http://schemas.openxmlformats.org/officeDocument/2006/relationships" xmlns:p="http://schemas.openxmlformats.org/presentationml/2006/main">
+  <p:cSld>
+    <p:spTree>
+      <p:nvGrpSpPr>
+        <p:cNvPr id="1" name=""/>
+        <p:cNvGrpSpPr/>
+        <p:nvPr/>
+      </p:nvGrpSpPr>
+      <p:grpSpPr>
+        <a:xfrm>
+          <a:off x="0" y="0"/>
+          <a:ext cx="0" cy="0"/>
+          <a:chOff x="0" y="0"/>
+          <a:chExt cx="0" cy="0"/>
+        </a:xfrm>
+      </p:grpSpPr>
+      <p:pic>
+        <p:nvPicPr>
+          <p:cNvPr id="4" name="Content Placeholder 3"/>
+          <p:cNvPicPr>
+            <a:picLocks noGrp="1" noChangeAspect="1"/>
+          </p:cNvPicPr>
+          <p:nvPr>
+            <p:ph idx="1"/>
+          </p:nvPr>
+        </p:nvPicPr>
+        <p:blipFill>
+          <a:blip r:embed="rId2"/>
+          <a:stretch>
+            <a:fillRect/>
+          </a:stretch>
+        </p:blipFill>
+        <p:spPr>
+          <a:xfrm>
+            <a:off x="1819470" y="252267"/>
+            <a:ext cx="9862456" cy="6258461"/>
+          </a:xfrm>
+          <a:prstGeom prst="rect">
+            <a:avLst/>
+          </a:prstGeom>
+        </p:spPr>
+      </p:pic>
+    </p:spTree>
+    <p:extLst>
+      <p:ext uri="{BB962C8B-B14F-4D97-AF65-F5344CB8AC3E}">
+        <p14:creationId xmlns:p14="http://schemas.microsoft.com/office/powerpoint/2010/main" val="3025424661"/>
       </p:ext>
     </p:extLst>
   </p:cSld>
